--- a/Powerpoint/Webinar Developer.pptx
+++ b/Powerpoint/Webinar Developer.pptx
@@ -217,7 +217,7 @@
           <a:p>
             <a:fld id="{EF7605A9-D843-407C-9CBE-B56DCAD297D7}" type="datetimeFigureOut">
               <a:rPr lang="en-US" smtClean="0"/>
-              <a:t>25-05-20</a:t>
+              <a:t>8/28/2020</a:t>
             </a:fld>
             <a:endParaRPr lang="en-US"/>
           </a:p>
@@ -1006,7 +1006,7 @@
           <a:p>
             <a:fld id="{ACF7820E-34FD-4988-B782-4EA914680210}" type="datetimeFigureOut">
               <a:rPr lang="da-DK" smtClean="0"/>
-              <a:t>25-05-2020</a:t>
+              <a:t>28-08-2020</a:t>
             </a:fld>
             <a:endParaRPr lang="da-DK"/>
           </a:p>
@@ -1154,7 +1154,7 @@
           <a:p>
             <a:fld id="{ACF7820E-34FD-4988-B782-4EA914680210}" type="datetimeFigureOut">
               <a:rPr lang="da-DK" smtClean="0"/>
-              <a:t>25-05-2020</a:t>
+              <a:t>28-08-2020</a:t>
             </a:fld>
             <a:endParaRPr lang="da-DK"/>
           </a:p>
@@ -1279,7 +1279,7 @@
           <a:p>
             <a:fld id="{ACF7820E-34FD-4988-B782-4EA914680210}" type="datetimeFigureOut">
               <a:rPr lang="da-DK" smtClean="0"/>
-              <a:t>25-05-2020</a:t>
+              <a:t>28-08-2020</a:t>
             </a:fld>
             <a:endParaRPr lang="da-DK"/>
           </a:p>
@@ -1404,7 +1404,7 @@
           <a:p>
             <a:fld id="{ACF7820E-34FD-4988-B782-4EA914680210}" type="datetimeFigureOut">
               <a:rPr lang="da-DK" smtClean="0"/>
-              <a:t>25-05-2020</a:t>
+              <a:t>28-08-2020</a:t>
             </a:fld>
             <a:endParaRPr lang="da-DK"/>
           </a:p>
@@ -1718,7 +1718,7 @@
           <a:p>
             <a:fld id="{ACF7820E-34FD-4988-B782-4EA914680210}" type="datetimeFigureOut">
               <a:rPr lang="da-DK" smtClean="0"/>
-              <a:t>25-05-2020</a:t>
+              <a:t>28-08-2020</a:t>
             </a:fld>
             <a:endParaRPr lang="da-DK"/>
           </a:p>
@@ -2032,7 +2032,7 @@
           <a:p>
             <a:fld id="{ACF7820E-34FD-4988-B782-4EA914680210}" type="datetimeFigureOut">
               <a:rPr lang="da-DK" smtClean="0"/>
-              <a:t>25-05-2020</a:t>
+              <a:t>28-08-2020</a:t>
             </a:fld>
             <a:endParaRPr lang="da-DK"/>
           </a:p>
@@ -2315,7 +2315,7 @@
           <a:p>
             <a:fld id="{ACF7820E-34FD-4988-B782-4EA914680210}" type="datetimeFigureOut">
               <a:rPr lang="da-DK" smtClean="0"/>
-              <a:t>25-05-2020</a:t>
+              <a:t>28-08-2020</a:t>
             </a:fld>
             <a:endParaRPr lang="da-DK"/>
           </a:p>
@@ -2598,7 +2598,7 @@
           <a:p>
             <a:fld id="{ACF7820E-34FD-4988-B782-4EA914680210}" type="datetimeFigureOut">
               <a:rPr lang="da-DK" smtClean="0"/>
-              <a:t>25-05-2020</a:t>
+              <a:t>28-08-2020</a:t>
             </a:fld>
             <a:endParaRPr lang="da-DK"/>
           </a:p>
@@ -2803,7 +2803,7 @@
           <a:p>
             <a:fld id="{ACF7820E-34FD-4988-B782-4EA914680210}" type="datetimeFigureOut">
               <a:rPr lang="da-DK" smtClean="0"/>
-              <a:t>25-05-2020</a:t>
+              <a:t>28-08-2020</a:t>
             </a:fld>
             <a:endParaRPr lang="da-DK"/>
           </a:p>
@@ -3008,7 +3008,7 @@
           <a:p>
             <a:fld id="{ACF7820E-34FD-4988-B782-4EA914680210}" type="datetimeFigureOut">
               <a:rPr lang="da-DK" smtClean="0"/>
-              <a:t>25-05-2020</a:t>
+              <a:t>28-08-2020</a:t>
             </a:fld>
             <a:endParaRPr lang="da-DK"/>
           </a:p>
@@ -3284,7 +3284,7 @@
           <a:p>
             <a:fld id="{ACF7820E-34FD-4988-B782-4EA914680210}" type="datetimeFigureOut">
               <a:rPr lang="da-DK" smtClean="0"/>
-              <a:t>25-05-2020</a:t>
+              <a:t>28-08-2020</a:t>
             </a:fld>
             <a:endParaRPr lang="da-DK"/>
           </a:p>
@@ -3516,7 +3516,7 @@
           <a:p>
             <a:fld id="{ACF7820E-34FD-4988-B782-4EA914680210}" type="datetimeFigureOut">
               <a:rPr lang="da-DK" smtClean="0"/>
-              <a:t>25-05-2020</a:t>
+              <a:t>28-08-2020</a:t>
             </a:fld>
             <a:endParaRPr lang="da-DK"/>
           </a:p>
@@ -3778,7 +3778,7 @@
           <a:p>
             <a:fld id="{ACF7820E-34FD-4988-B782-4EA914680210}" type="datetimeFigureOut">
               <a:rPr lang="da-DK" smtClean="0"/>
-              <a:t>25-05-2020</a:t>
+              <a:t>28-08-2020</a:t>
             </a:fld>
             <a:endParaRPr lang="da-DK"/>
           </a:p>
@@ -4191,7 +4191,7 @@
           <a:p>
             <a:fld id="{ACF7820E-34FD-4988-B782-4EA914680210}" type="datetimeFigureOut">
               <a:rPr lang="da-DK" smtClean="0"/>
-              <a:t>25-05-2020</a:t>
+              <a:t>28-08-2020</a:t>
             </a:fld>
             <a:endParaRPr lang="da-DK"/>
           </a:p>
@@ -4604,7 +4604,7 @@
           <a:p>
             <a:fld id="{ACF7820E-34FD-4988-B782-4EA914680210}" type="datetimeFigureOut">
               <a:rPr lang="da-DK" smtClean="0"/>
-              <a:t>25-05-2020</a:t>
+              <a:t>28-08-2020</a:t>
             </a:fld>
             <a:endParaRPr lang="da-DK"/>
           </a:p>
@@ -4752,7 +4752,7 @@
           <a:p>
             <a:fld id="{ACF7820E-34FD-4988-B782-4EA914680210}" type="datetimeFigureOut">
               <a:rPr lang="da-DK" smtClean="0"/>
-              <a:t>25-05-2020</a:t>
+              <a:t>28-08-2020</a:t>
             </a:fld>
             <a:endParaRPr lang="da-DK"/>
           </a:p>
@@ -4995,7 +4995,7 @@
           <a:p>
             <a:fld id="{ACF7820E-34FD-4988-B782-4EA914680210}" type="datetimeFigureOut">
               <a:rPr lang="da-DK" smtClean="0"/>
-              <a:t>25-05-2020</a:t>
+              <a:t>28-08-2020</a:t>
             </a:fld>
             <a:endParaRPr lang="da-DK"/>
           </a:p>
@@ -6549,18 +6549,15 @@
           </a:p>
           <a:p>
             <a:r>
+              <a:rPr lang="en-US"/>
+              <a:t>- Conversion</a:t>
+            </a:r>
+            <a:endParaRPr lang="en-US" dirty="0"/>
+          </a:p>
+          <a:p>
+            <a:r>
               <a:rPr lang="en-US" dirty="0"/>
-              <a:t>- Conversion</a:t>
-            </a:r>
-          </a:p>
-          <a:p>
-            <a:pPr marL="285750" indent="-285750">
-              <a:buFontTx/>
-              <a:buChar char="-"/>
-            </a:pPr>
-            <a:r>
-              <a:rPr lang="en-US" dirty="0"/>
-              <a:t>JavaScript Deep Dive</a:t>
+              <a:t>- JavaScript Deep Dive</a:t>
             </a:r>
           </a:p>
           <a:p>
